--- a/proj/_Proj.pptx
+++ b/proj/_Proj.pptx
@@ -5,7 +5,7 @@
     <p:sldMasterId id="2147483648" r:id="rId1"/>
   </p:sldMasterIdLst>
   <p:notesMasterIdLst>
-    <p:notesMasterId r:id="rId9"/>
+    <p:notesMasterId r:id="rId13"/>
   </p:notesMasterIdLst>
   <p:sldIdLst>
     <p:sldId id="258" r:id="rId2"/>
@@ -15,6 +15,10 @@
     <p:sldId id="257" r:id="rId6"/>
     <p:sldId id="260" r:id="rId7"/>
     <p:sldId id="256" r:id="rId8"/>
+    <p:sldId id="263" r:id="rId9"/>
+    <p:sldId id="264" r:id="rId10"/>
+    <p:sldId id="266" r:id="rId11"/>
+    <p:sldId id="265" r:id="rId12"/>
   </p:sldIdLst>
   <p:sldSz cx="12192000" cy="6858000"/>
   <p:notesSz cx="6858000" cy="9144000"/>
@@ -124,13 +128,202 @@
 <file path=ppt/revisionInfo.xml><?xml version="1.0" encoding="utf-8"?>
 <p1510:revInfo xmlns:a="http://schemas.openxmlformats.org/drawingml/2006/main" xmlns:r="http://schemas.openxmlformats.org/officeDocument/2006/relationships" xmlns:p1510="http://schemas.microsoft.com/office/powerpoint/2015/10/main">
   <p1510:revLst>
-    <p1510:client id="{790C452E-8BEF-49F4-871E-1E9BD46A223F}" v="93" dt="2023-02-20T06:14:05.585"/>
+    <p1510:client id="{1438983D-B752-4AD8-9550-7C5F2436D578}" v="9" dt="2023-03-28T23:49:11.854"/>
   </p1510:revLst>
 </p1510:revInfo>
 </file>
 
 <file path=ppt/changesInfos/changesInfo1.xml><?xml version="1.0" encoding="utf-8"?>
 <pc:chgInfo xmlns:a="http://schemas.openxmlformats.org/drawingml/2006/main" xmlns:r="http://schemas.openxmlformats.org/officeDocument/2006/relationships" xmlns:ac="http://schemas.microsoft.com/office/drawing/2013/main/command" xmlns:pc="http://schemas.microsoft.com/office/powerpoint/2013/main/command">
+  <pc:docChgLst>
+    <pc:chgData name="Hamidreza Moradi" userId="3ecce25f-930d-409f-be24-0620a33553d5" providerId="ADAL" clId="{1438983D-B752-4AD8-9550-7C5F2436D578}"/>
+    <pc:docChg chg="undo custSel addSld modSld sldOrd">
+      <pc:chgData name="Hamidreza Moradi" userId="3ecce25f-930d-409f-be24-0620a33553d5" providerId="ADAL" clId="{1438983D-B752-4AD8-9550-7C5F2436D578}" dt="2023-03-29T00:42:15.659" v="275" actId="1036"/>
+      <pc:docMkLst>
+        <pc:docMk/>
+      </pc:docMkLst>
+      <pc:sldChg chg="modSp add mod">
+        <pc:chgData name="Hamidreza Moradi" userId="3ecce25f-930d-409f-be24-0620a33553d5" providerId="ADAL" clId="{1438983D-B752-4AD8-9550-7C5F2436D578}" dt="2023-03-29T00:42:15.659" v="275" actId="1036"/>
+        <pc:sldMkLst>
+          <pc:docMk/>
+          <pc:sldMk cId="156260299" sldId="263"/>
+        </pc:sldMkLst>
+        <pc:picChg chg="mod ord">
+          <ac:chgData name="Hamidreza Moradi" userId="3ecce25f-930d-409f-be24-0620a33553d5" providerId="ADAL" clId="{1438983D-B752-4AD8-9550-7C5F2436D578}" dt="2023-03-29T00:41:22.370" v="250" actId="1038"/>
+          <ac:picMkLst>
+            <pc:docMk/>
+            <pc:sldMk cId="156260299" sldId="263"/>
+            <ac:picMk id="5" creationId="{8AF6B242-38E7-8867-860B-F4F58595CAA5}"/>
+          </ac:picMkLst>
+        </pc:picChg>
+        <pc:picChg chg="mod">
+          <ac:chgData name="Hamidreza Moradi" userId="3ecce25f-930d-409f-be24-0620a33553d5" providerId="ADAL" clId="{1438983D-B752-4AD8-9550-7C5F2436D578}" dt="2023-03-29T00:41:33.882" v="252" actId="1076"/>
+          <ac:picMkLst>
+            <pc:docMk/>
+            <pc:sldMk cId="156260299" sldId="263"/>
+            <ac:picMk id="9" creationId="{A803A158-DC6B-02B6-9A15-83047D4084F6}"/>
+          </ac:picMkLst>
+        </pc:picChg>
+        <pc:picChg chg="mod ord modCrop">
+          <ac:chgData name="Hamidreza Moradi" userId="3ecce25f-930d-409f-be24-0620a33553d5" providerId="ADAL" clId="{1438983D-B752-4AD8-9550-7C5F2436D578}" dt="2023-03-29T00:41:26.782" v="251" actId="1036"/>
+          <ac:picMkLst>
+            <pc:docMk/>
+            <pc:sldMk cId="156260299" sldId="263"/>
+            <ac:picMk id="11" creationId="{CDC11D67-BB87-9FE7-C4C9-3264CD54AA3A}"/>
+          </ac:picMkLst>
+        </pc:picChg>
+        <pc:picChg chg="mod modCrop">
+          <ac:chgData name="Hamidreza Moradi" userId="3ecce25f-930d-409f-be24-0620a33553d5" providerId="ADAL" clId="{1438983D-B752-4AD8-9550-7C5F2436D578}" dt="2023-03-29T00:42:15.659" v="275" actId="1036"/>
+          <ac:picMkLst>
+            <pc:docMk/>
+            <pc:sldMk cId="156260299" sldId="263"/>
+            <ac:picMk id="13" creationId="{195175E4-E5BF-DC1A-BB44-6AE34C9B24DB}"/>
+          </ac:picMkLst>
+        </pc:picChg>
+      </pc:sldChg>
+      <pc:sldChg chg="add">
+        <pc:chgData name="Hamidreza Moradi" userId="3ecce25f-930d-409f-be24-0620a33553d5" providerId="ADAL" clId="{1438983D-B752-4AD8-9550-7C5F2436D578}" dt="2023-03-28T23:43:52.369" v="0"/>
+        <pc:sldMkLst>
+          <pc:docMk/>
+          <pc:sldMk cId="1114325454" sldId="264"/>
+        </pc:sldMkLst>
+      </pc:sldChg>
+      <pc:sldChg chg="addSp delSp modSp new mod">
+        <pc:chgData name="Hamidreza Moradi" userId="3ecce25f-930d-409f-be24-0620a33553d5" providerId="ADAL" clId="{1438983D-B752-4AD8-9550-7C5F2436D578}" dt="2023-03-29T00:29:26.286" v="180" actId="29295"/>
+        <pc:sldMkLst>
+          <pc:docMk/>
+          <pc:sldMk cId="349555417" sldId="265"/>
+        </pc:sldMkLst>
+        <pc:grpChg chg="add mod">
+          <ac:chgData name="Hamidreza Moradi" userId="3ecce25f-930d-409f-be24-0620a33553d5" providerId="ADAL" clId="{1438983D-B752-4AD8-9550-7C5F2436D578}" dt="2023-03-29T00:12:13.445" v="120" actId="14100"/>
+          <ac:grpSpMkLst>
+            <pc:docMk/>
+            <pc:sldMk cId="349555417" sldId="265"/>
+            <ac:grpSpMk id="10" creationId="{6472011C-0B3D-4E53-3D3B-4167E83C0EB3}"/>
+          </ac:grpSpMkLst>
+        </pc:grpChg>
+        <pc:grpChg chg="add mod">
+          <ac:chgData name="Hamidreza Moradi" userId="3ecce25f-930d-409f-be24-0620a33553d5" providerId="ADAL" clId="{1438983D-B752-4AD8-9550-7C5F2436D578}" dt="2023-03-29T00:28:41.950" v="126" actId="14100"/>
+          <ac:grpSpMkLst>
+            <pc:docMk/>
+            <pc:sldMk cId="349555417" sldId="265"/>
+            <ac:grpSpMk id="12" creationId="{944C1661-8B24-51B6-0400-CE4F8DC0EF55}"/>
+          </ac:grpSpMkLst>
+        </pc:grpChg>
+        <pc:picChg chg="add mod modCrop">
+          <ac:chgData name="Hamidreza Moradi" userId="3ecce25f-930d-409f-be24-0620a33553d5" providerId="ADAL" clId="{1438983D-B752-4AD8-9550-7C5F2436D578}" dt="2023-03-29T00:10:30.766" v="108" actId="732"/>
+          <ac:picMkLst>
+            <pc:docMk/>
+            <pc:sldMk cId="349555417" sldId="265"/>
+            <ac:picMk id="3" creationId="{461BC785-D388-4BE5-78EE-9D6ED21412CB}"/>
+          </ac:picMkLst>
+        </pc:picChg>
+        <pc:picChg chg="add mod modCrop">
+          <ac:chgData name="Hamidreza Moradi" userId="3ecce25f-930d-409f-be24-0620a33553d5" providerId="ADAL" clId="{1438983D-B752-4AD8-9550-7C5F2436D578}" dt="2023-03-29T00:10:41.226" v="109" actId="732"/>
+          <ac:picMkLst>
+            <pc:docMk/>
+            <pc:sldMk cId="349555417" sldId="265"/>
+            <ac:picMk id="5" creationId="{D1A8837D-471B-180D-C8C7-8BD5D9102D94}"/>
+          </ac:picMkLst>
+        </pc:picChg>
+        <pc:picChg chg="add del mod">
+          <ac:chgData name="Hamidreza Moradi" userId="3ecce25f-930d-409f-be24-0620a33553d5" providerId="ADAL" clId="{1438983D-B752-4AD8-9550-7C5F2436D578}" dt="2023-03-28T23:45:35.411" v="28" actId="21"/>
+          <ac:picMkLst>
+            <pc:docMk/>
+            <pc:sldMk cId="349555417" sldId="265"/>
+            <ac:picMk id="7" creationId="{D977E78B-2198-6F58-1A4D-DC51FA1A6AC3}"/>
+          </ac:picMkLst>
+        </pc:picChg>
+        <pc:picChg chg="add mod modCrop">
+          <ac:chgData name="Hamidreza Moradi" userId="3ecce25f-930d-409f-be24-0620a33553d5" providerId="ADAL" clId="{1438983D-B752-4AD8-9550-7C5F2436D578}" dt="2023-03-29T00:28:50.398" v="127" actId="732"/>
+          <ac:picMkLst>
+            <pc:docMk/>
+            <pc:sldMk cId="349555417" sldId="265"/>
+            <ac:picMk id="9" creationId="{C5A3ABEE-6880-14CC-901B-04473EF02741}"/>
+          </ac:picMkLst>
+        </pc:picChg>
+        <pc:picChg chg="add mod modCrop">
+          <ac:chgData name="Hamidreza Moradi" userId="3ecce25f-930d-409f-be24-0620a33553d5" providerId="ADAL" clId="{1438983D-B752-4AD8-9550-7C5F2436D578}" dt="2023-03-29T00:29:26.286" v="180" actId="29295"/>
+          <ac:picMkLst>
+            <pc:docMk/>
+            <pc:sldMk cId="349555417" sldId="265"/>
+            <ac:picMk id="11" creationId="{08360969-F317-67CF-7B03-210D0CA5A6AA}"/>
+          </ac:picMkLst>
+        </pc:picChg>
+      </pc:sldChg>
+      <pc:sldChg chg="addSp delSp modSp new mod ord">
+        <pc:chgData name="Hamidreza Moradi" userId="3ecce25f-930d-409f-be24-0620a33553d5" providerId="ADAL" clId="{1438983D-B752-4AD8-9550-7C5F2436D578}" dt="2023-03-28T23:50:12.111" v="87" actId="1076"/>
+        <pc:sldMkLst>
+          <pc:docMk/>
+          <pc:sldMk cId="4258249437" sldId="266"/>
+        </pc:sldMkLst>
+        <pc:grpChg chg="add del mod">
+          <ac:chgData name="Hamidreza Moradi" userId="3ecce25f-930d-409f-be24-0620a33553d5" providerId="ADAL" clId="{1438983D-B752-4AD8-9550-7C5F2436D578}" dt="2023-03-28T23:48:55.448" v="66" actId="165"/>
+          <ac:grpSpMkLst>
+            <pc:docMk/>
+            <pc:sldMk cId="4258249437" sldId="266"/>
+            <ac:grpSpMk id="2" creationId="{C3049389-783E-BA39-1420-046A75543411}"/>
+          </ac:grpSpMkLst>
+        </pc:grpChg>
+        <pc:grpChg chg="add del mod">
+          <ac:chgData name="Hamidreza Moradi" userId="3ecce25f-930d-409f-be24-0620a33553d5" providerId="ADAL" clId="{1438983D-B752-4AD8-9550-7C5F2436D578}" dt="2023-03-28T23:48:58.727" v="67" actId="165"/>
+          <ac:grpSpMkLst>
+            <pc:docMk/>
+            <pc:sldMk cId="4258249437" sldId="266"/>
+            <ac:grpSpMk id="5" creationId="{35B1F95A-E192-FC59-2195-9E468106E745}"/>
+          </ac:grpSpMkLst>
+        </pc:grpChg>
+        <pc:picChg chg="mod topLvl modCrop">
+          <ac:chgData name="Hamidreza Moradi" userId="3ecce25f-930d-409f-be24-0620a33553d5" providerId="ADAL" clId="{1438983D-B752-4AD8-9550-7C5F2436D578}" dt="2023-03-28T23:50:06.479" v="86" actId="1076"/>
+          <ac:picMkLst>
+            <pc:docMk/>
+            <pc:sldMk cId="4258249437" sldId="266"/>
+            <ac:picMk id="3" creationId="{67BD68E9-6E36-53E0-AF0A-7E149AA3E7D8}"/>
+          </ac:picMkLst>
+        </pc:picChg>
+        <pc:picChg chg="del mod topLvl">
+          <ac:chgData name="Hamidreza Moradi" userId="3ecce25f-930d-409f-be24-0620a33553d5" providerId="ADAL" clId="{1438983D-B752-4AD8-9550-7C5F2436D578}" dt="2023-03-28T23:49:11.120" v="73" actId="21"/>
+          <ac:picMkLst>
+            <pc:docMk/>
+            <pc:sldMk cId="4258249437" sldId="266"/>
+            <ac:picMk id="4" creationId="{FC349435-F21D-FDB7-2627-18F171DC44E3}"/>
+          </ac:picMkLst>
+        </pc:picChg>
+        <pc:picChg chg="mod topLvl modCrop">
+          <ac:chgData name="Hamidreza Moradi" userId="3ecce25f-930d-409f-be24-0620a33553d5" providerId="ADAL" clId="{1438983D-B752-4AD8-9550-7C5F2436D578}" dt="2023-03-28T23:50:12.111" v="87" actId="1076"/>
+          <ac:picMkLst>
+            <pc:docMk/>
+            <pc:sldMk cId="4258249437" sldId="266"/>
+            <ac:picMk id="6" creationId="{787B1FA1-9BE6-BF17-EF6F-7D17E787E769}"/>
+          </ac:picMkLst>
+        </pc:picChg>
+        <pc:picChg chg="del mod topLvl">
+          <ac:chgData name="Hamidreza Moradi" userId="3ecce25f-930d-409f-be24-0620a33553d5" providerId="ADAL" clId="{1438983D-B752-4AD8-9550-7C5F2436D578}" dt="2023-03-28T23:49:05.833" v="69" actId="21"/>
+          <ac:picMkLst>
+            <pc:docMk/>
+            <pc:sldMk cId="4258249437" sldId="266"/>
+            <ac:picMk id="7" creationId="{5F3F2383-6CCE-A4E1-B8E3-0248211860B8}"/>
+          </ac:picMkLst>
+        </pc:picChg>
+        <pc:picChg chg="add mod modCrop">
+          <ac:chgData name="Hamidreza Moradi" userId="3ecce25f-930d-409f-be24-0620a33553d5" providerId="ADAL" clId="{1438983D-B752-4AD8-9550-7C5F2436D578}" dt="2023-03-28T23:50:12.111" v="87" actId="1076"/>
+          <ac:picMkLst>
+            <pc:docMk/>
+            <pc:sldMk cId="4258249437" sldId="266"/>
+            <ac:picMk id="8" creationId="{18C1B06B-AA99-FC8A-B8F2-37DC1B02A7FF}"/>
+          </ac:picMkLst>
+        </pc:picChg>
+        <pc:picChg chg="add mod modCrop">
+          <ac:chgData name="Hamidreza Moradi" userId="3ecce25f-930d-409f-be24-0620a33553d5" providerId="ADAL" clId="{1438983D-B752-4AD8-9550-7C5F2436D578}" dt="2023-03-28T23:50:06.479" v="86" actId="1076"/>
+          <ac:picMkLst>
+            <pc:docMk/>
+            <pc:sldMk cId="4258249437" sldId="266"/>
+            <ac:picMk id="9" creationId="{7F4D873B-E0FB-6C54-CB7F-A9A50249CDDF}"/>
+          </ac:picMkLst>
+        </pc:picChg>
+      </pc:sldChg>
+    </pc:docChg>
+  </pc:docChgLst>
   <pc:docChgLst>
     <pc:chgData name="Hamidreza Moradi" userId="3ecce25f-930d-409f-be24-0620a33553d5" providerId="ADAL" clId="{790C452E-8BEF-49F4-871E-1E9BD46A223F}"/>
     <pc:docChg chg="undo redo custSel addSld delSld modSld sldOrd">
@@ -4168,7 +4361,7 @@
           <a:p>
             <a:fld id="{73618E16-2B9B-44DD-9FDE-781B6191ED67}" type="datetimeFigureOut">
               <a:rPr lang="en-US" smtClean="0"/>
-              <a:t>2/19/2023</a:t>
+              <a:t>3/28/2023</a:t>
             </a:fld>
             <a:endParaRPr lang="en-US"/>
           </a:p>
@@ -4753,7 +4946,7 @@
           <a:p>
             <a:fld id="{C580245A-2DAC-428F-85F9-0AD1E2C53C43}" type="datetimeFigureOut">
               <a:rPr lang="en-US" smtClean="0"/>
-              <a:t>2/19/2023</a:t>
+              <a:t>3/28/2023</a:t>
             </a:fld>
             <a:endParaRPr lang="en-US"/>
           </a:p>
@@ -4951,7 +5144,7 @@
           <a:p>
             <a:fld id="{C580245A-2DAC-428F-85F9-0AD1E2C53C43}" type="datetimeFigureOut">
               <a:rPr lang="en-US" smtClean="0"/>
-              <a:t>2/19/2023</a:t>
+              <a:t>3/28/2023</a:t>
             </a:fld>
             <a:endParaRPr lang="en-US"/>
           </a:p>
@@ -5159,7 +5352,7 @@
           <a:p>
             <a:fld id="{C580245A-2DAC-428F-85F9-0AD1E2C53C43}" type="datetimeFigureOut">
               <a:rPr lang="en-US" smtClean="0"/>
-              <a:t>2/19/2023</a:t>
+              <a:t>3/28/2023</a:t>
             </a:fld>
             <a:endParaRPr lang="en-US"/>
           </a:p>
@@ -5357,7 +5550,7 @@
           <a:p>
             <a:fld id="{C580245A-2DAC-428F-85F9-0AD1E2C53C43}" type="datetimeFigureOut">
               <a:rPr lang="en-US" smtClean="0"/>
-              <a:t>2/19/2023</a:t>
+              <a:t>3/28/2023</a:t>
             </a:fld>
             <a:endParaRPr lang="en-US"/>
           </a:p>
@@ -5632,7 +5825,7 @@
           <a:p>
             <a:fld id="{C580245A-2DAC-428F-85F9-0AD1E2C53C43}" type="datetimeFigureOut">
               <a:rPr lang="en-US" smtClean="0"/>
-              <a:t>2/19/2023</a:t>
+              <a:t>3/28/2023</a:t>
             </a:fld>
             <a:endParaRPr lang="en-US"/>
           </a:p>
@@ -5897,7 +6090,7 @@
           <a:p>
             <a:fld id="{C580245A-2DAC-428F-85F9-0AD1E2C53C43}" type="datetimeFigureOut">
               <a:rPr lang="en-US" smtClean="0"/>
-              <a:t>2/19/2023</a:t>
+              <a:t>3/28/2023</a:t>
             </a:fld>
             <a:endParaRPr lang="en-US"/>
           </a:p>
@@ -6309,7 +6502,7 @@
           <a:p>
             <a:fld id="{C580245A-2DAC-428F-85F9-0AD1E2C53C43}" type="datetimeFigureOut">
               <a:rPr lang="en-US" smtClean="0"/>
-              <a:t>2/19/2023</a:t>
+              <a:t>3/28/2023</a:t>
             </a:fld>
             <a:endParaRPr lang="en-US"/>
           </a:p>
@@ -6450,7 +6643,7 @@
           <a:p>
             <a:fld id="{C580245A-2DAC-428F-85F9-0AD1E2C53C43}" type="datetimeFigureOut">
               <a:rPr lang="en-US" smtClean="0"/>
-              <a:t>2/19/2023</a:t>
+              <a:t>3/28/2023</a:t>
             </a:fld>
             <a:endParaRPr lang="en-US"/>
           </a:p>
@@ -6563,7 +6756,7 @@
           <a:p>
             <a:fld id="{C580245A-2DAC-428F-85F9-0AD1E2C53C43}" type="datetimeFigureOut">
               <a:rPr lang="en-US" smtClean="0"/>
-              <a:t>2/19/2023</a:t>
+              <a:t>3/28/2023</a:t>
             </a:fld>
             <a:endParaRPr lang="en-US"/>
           </a:p>
@@ -6874,7 +7067,7 @@
           <a:p>
             <a:fld id="{C580245A-2DAC-428F-85F9-0AD1E2C53C43}" type="datetimeFigureOut">
               <a:rPr lang="en-US" smtClean="0"/>
-              <a:t>2/19/2023</a:t>
+              <a:t>3/28/2023</a:t>
             </a:fld>
             <a:endParaRPr lang="en-US"/>
           </a:p>
@@ -7162,7 +7355,7 @@
           <a:p>
             <a:fld id="{C580245A-2DAC-428F-85F9-0AD1E2C53C43}" type="datetimeFigureOut">
               <a:rPr lang="en-US" smtClean="0"/>
-              <a:t>2/19/2023</a:t>
+              <a:t>3/28/2023</a:t>
             </a:fld>
             <a:endParaRPr lang="en-US"/>
           </a:p>
@@ -7403,7 +7596,7 @@
           <a:p>
             <a:fld id="{C580245A-2DAC-428F-85F9-0AD1E2C53C43}" type="datetimeFigureOut">
               <a:rPr lang="en-US" smtClean="0"/>
-              <a:t>2/19/2023</a:t>
+              <a:t>3/28/2023</a:t>
             </a:fld>
             <a:endParaRPr lang="en-US"/>
           </a:p>
@@ -8518,6 +8711,342 @@
     <p:extLst>
       <p:ext uri="{BB962C8B-B14F-4D97-AF65-F5344CB8AC3E}">
         <p14:creationId xmlns:p14="http://schemas.microsoft.com/office/powerpoint/2010/main" val="962989655"/>
+      </p:ext>
+    </p:extLst>
+  </p:cSld>
+  <p:clrMapOvr>
+    <a:masterClrMapping/>
+  </p:clrMapOvr>
+</p:sld>
+</file>
+
+<file path=ppt/slides/slide10.xml><?xml version="1.0" encoding="utf-8"?>
+<p:sld xmlns:a="http://schemas.openxmlformats.org/drawingml/2006/main" xmlns:r="http://schemas.openxmlformats.org/officeDocument/2006/relationships" xmlns:p="http://schemas.openxmlformats.org/presentationml/2006/main">
+  <p:cSld>
+    <p:spTree>
+      <p:nvGrpSpPr>
+        <p:cNvPr id="1" name=""/>
+        <p:cNvGrpSpPr/>
+        <p:nvPr/>
+      </p:nvGrpSpPr>
+      <p:grpSpPr>
+        <a:xfrm>
+          <a:off x="0" y="0"/>
+          <a:ext cx="0" cy="0"/>
+          <a:chOff x="0" y="0"/>
+          <a:chExt cx="0" cy="0"/>
+        </a:xfrm>
+      </p:grpSpPr>
+      <p:pic>
+        <p:nvPicPr>
+          <p:cNvPr id="3" name="Picture 2">
+            <a:extLst>
+              <a:ext uri="{FF2B5EF4-FFF2-40B4-BE49-F238E27FC236}">
+                <a16:creationId xmlns:a16="http://schemas.microsoft.com/office/drawing/2014/main" id="{67BD68E9-6E36-53E0-AF0A-7E149AA3E7D8}"/>
+              </a:ext>
+            </a:extLst>
+          </p:cNvPr>
+          <p:cNvPicPr>
+            <a:picLocks noChangeAspect="1"/>
+          </p:cNvPicPr>
+          <p:nvPr/>
+        </p:nvPicPr>
+        <p:blipFill rotWithShape="1">
+          <a:blip r:embed="rId2"/>
+          <a:srcRect r="2192"/>
+          <a:stretch/>
+        </p:blipFill>
+        <p:spPr>
+          <a:xfrm>
+            <a:off x="370945" y="2912159"/>
+            <a:ext cx="2790741" cy="2369598"/>
+          </a:xfrm>
+          <a:prstGeom prst="rect">
+            <a:avLst/>
+          </a:prstGeom>
+        </p:spPr>
+      </p:pic>
+      <p:pic>
+        <p:nvPicPr>
+          <p:cNvPr id="6" name="Picture 5">
+            <a:extLst>
+              <a:ext uri="{FF2B5EF4-FFF2-40B4-BE49-F238E27FC236}">
+                <a16:creationId xmlns:a16="http://schemas.microsoft.com/office/drawing/2014/main" id="{787B1FA1-9BE6-BF17-EF6F-7D17E787E769}"/>
+              </a:ext>
+            </a:extLst>
+          </p:cNvPr>
+          <p:cNvPicPr>
+            <a:picLocks noChangeAspect="1"/>
+          </p:cNvPicPr>
+          <p:nvPr/>
+        </p:nvPicPr>
+        <p:blipFill rotWithShape="1">
+          <a:blip r:embed="rId3"/>
+          <a:srcRect l="1175" t="3042" r="-99" b="1258"/>
+          <a:stretch/>
+        </p:blipFill>
+        <p:spPr>
+          <a:xfrm>
+            <a:off x="9030316" y="2912159"/>
+            <a:ext cx="2914355" cy="2369601"/>
+          </a:xfrm>
+          <a:prstGeom prst="rect">
+            <a:avLst/>
+          </a:prstGeom>
+        </p:spPr>
+      </p:pic>
+      <p:pic>
+        <p:nvPicPr>
+          <p:cNvPr id="8" name="Picture 7">
+            <a:extLst>
+              <a:ext uri="{FF2B5EF4-FFF2-40B4-BE49-F238E27FC236}">
+                <a16:creationId xmlns:a16="http://schemas.microsoft.com/office/drawing/2014/main" id="{18C1B06B-AA99-FC8A-B8F2-37DC1B02A7FF}"/>
+              </a:ext>
+            </a:extLst>
+          </p:cNvPr>
+          <p:cNvPicPr>
+            <a:picLocks noChangeAspect="1"/>
+          </p:cNvPicPr>
+          <p:nvPr/>
+        </p:nvPicPr>
+        <p:blipFill rotWithShape="1">
+          <a:blip r:embed="rId4"/>
+          <a:srcRect l="440" t="3814" r="1705" b="486"/>
+          <a:stretch/>
+        </p:blipFill>
+        <p:spPr>
+          <a:xfrm>
+            <a:off x="6115961" y="2912161"/>
+            <a:ext cx="2914355" cy="2369599"/>
+          </a:xfrm>
+          <a:prstGeom prst="rect">
+            <a:avLst/>
+          </a:prstGeom>
+        </p:spPr>
+      </p:pic>
+      <p:pic>
+        <p:nvPicPr>
+          <p:cNvPr id="9" name="Picture 8">
+            <a:extLst>
+              <a:ext uri="{FF2B5EF4-FFF2-40B4-BE49-F238E27FC236}">
+                <a16:creationId xmlns:a16="http://schemas.microsoft.com/office/drawing/2014/main" id="{7F4D873B-E0FB-6C54-CB7F-A9A50249CDDF}"/>
+              </a:ext>
+            </a:extLst>
+          </p:cNvPr>
+          <p:cNvPicPr>
+            <a:picLocks noChangeAspect="1"/>
+          </p:cNvPicPr>
+          <p:nvPr/>
+        </p:nvPicPr>
+        <p:blipFill rotWithShape="1">
+          <a:blip r:embed="rId5"/>
+          <a:srcRect l="799" r="1"/>
+          <a:stretch/>
+        </p:blipFill>
+        <p:spPr>
+          <a:xfrm>
+            <a:off x="3161686" y="2912159"/>
+            <a:ext cx="2790741" cy="2369598"/>
+          </a:xfrm>
+          <a:prstGeom prst="rect">
+            <a:avLst/>
+          </a:prstGeom>
+        </p:spPr>
+      </p:pic>
+    </p:spTree>
+    <p:extLst>
+      <p:ext uri="{BB962C8B-B14F-4D97-AF65-F5344CB8AC3E}">
+        <p14:creationId xmlns:p14="http://schemas.microsoft.com/office/powerpoint/2010/main" val="4258249437"/>
+      </p:ext>
+    </p:extLst>
+  </p:cSld>
+  <p:clrMapOvr>
+    <a:masterClrMapping/>
+  </p:clrMapOvr>
+</p:sld>
+</file>
+
+<file path=ppt/slides/slide11.xml><?xml version="1.0" encoding="utf-8"?>
+<p:sld xmlns:a="http://schemas.openxmlformats.org/drawingml/2006/main" xmlns:r="http://schemas.openxmlformats.org/officeDocument/2006/relationships" xmlns:p="http://schemas.openxmlformats.org/presentationml/2006/main">
+  <p:cSld>
+    <p:spTree>
+      <p:nvGrpSpPr>
+        <p:cNvPr id="1" name=""/>
+        <p:cNvGrpSpPr/>
+        <p:nvPr/>
+      </p:nvGrpSpPr>
+      <p:grpSpPr>
+        <a:xfrm>
+          <a:off x="0" y="0"/>
+          <a:ext cx="0" cy="0"/>
+          <a:chOff x="0" y="0"/>
+          <a:chExt cx="0" cy="0"/>
+        </a:xfrm>
+      </p:grpSpPr>
+      <p:grpSp>
+        <p:nvGrpSpPr>
+          <p:cNvPr id="10" name="Group 9">
+            <a:extLst>
+              <a:ext uri="{FF2B5EF4-FFF2-40B4-BE49-F238E27FC236}">
+                <a16:creationId xmlns:a16="http://schemas.microsoft.com/office/drawing/2014/main" id="{6472011C-0B3D-4E53-3D3B-4167E83C0EB3}"/>
+              </a:ext>
+            </a:extLst>
+          </p:cNvPr>
+          <p:cNvGrpSpPr/>
+          <p:nvPr/>
+        </p:nvGrpSpPr>
+        <p:grpSpPr>
+          <a:xfrm flipH="1">
+            <a:off x="2924646" y="1402915"/>
+            <a:ext cx="1771636" cy="1352811"/>
+            <a:chOff x="1978416" y="478439"/>
+            <a:chExt cx="2394991" cy="1828801"/>
+          </a:xfrm>
+        </p:grpSpPr>
+        <p:pic>
+          <p:nvPicPr>
+            <p:cNvPr id="3" name="Picture 2">
+              <a:extLst>
+                <a:ext uri="{FF2B5EF4-FFF2-40B4-BE49-F238E27FC236}">
+                  <a16:creationId xmlns:a16="http://schemas.microsoft.com/office/drawing/2014/main" id="{461BC785-D388-4BE5-78EE-9D6ED21412CB}"/>
+                </a:ext>
+              </a:extLst>
+            </p:cNvPr>
+            <p:cNvPicPr>
+              <a:picLocks noChangeAspect="1"/>
+            </p:cNvPicPr>
+            <p:nvPr/>
+          </p:nvPicPr>
+          <p:blipFill rotWithShape="1">
+            <a:blip r:embed="rId2"/>
+            <a:srcRect l="8350" t="9417" r="48164" b="13404"/>
+            <a:stretch/>
+          </p:blipFill>
+          <p:spPr>
+            <a:xfrm>
+              <a:off x="1978416" y="478439"/>
+              <a:ext cx="1240772" cy="1828801"/>
+            </a:xfrm>
+            <a:prstGeom prst="rect">
+              <a:avLst/>
+            </a:prstGeom>
+          </p:spPr>
+        </p:pic>
+        <p:pic>
+          <p:nvPicPr>
+            <p:cNvPr id="5" name="Picture 4">
+              <a:extLst>
+                <a:ext uri="{FF2B5EF4-FFF2-40B4-BE49-F238E27FC236}">
+                  <a16:creationId xmlns:a16="http://schemas.microsoft.com/office/drawing/2014/main" id="{D1A8837D-471B-180D-C8C7-8BD5D9102D94}"/>
+                </a:ext>
+              </a:extLst>
+            </p:cNvPr>
+            <p:cNvPicPr>
+              <a:picLocks noChangeAspect="1"/>
+            </p:cNvPicPr>
+            <p:nvPr/>
+          </p:nvPicPr>
+          <p:blipFill rotWithShape="1">
+            <a:blip r:embed="rId3"/>
+            <a:srcRect l="50151" t="9416" r="8821" b="13405"/>
+            <a:stretch/>
+          </p:blipFill>
+          <p:spPr>
+            <a:xfrm>
+              <a:off x="3219189" y="478440"/>
+              <a:ext cx="1154218" cy="1828800"/>
+            </a:xfrm>
+            <a:prstGeom prst="rect">
+              <a:avLst/>
+            </a:prstGeom>
+          </p:spPr>
+        </p:pic>
+      </p:grpSp>
+      <p:grpSp>
+        <p:nvGrpSpPr>
+          <p:cNvPr id="12" name="Group 11">
+            <a:extLst>
+              <a:ext uri="{FF2B5EF4-FFF2-40B4-BE49-F238E27FC236}">
+                <a16:creationId xmlns:a16="http://schemas.microsoft.com/office/drawing/2014/main" id="{944C1661-8B24-51B6-0400-CE4F8DC0EF55}"/>
+              </a:ext>
+            </a:extLst>
+          </p:cNvPr>
+          <p:cNvGrpSpPr/>
+          <p:nvPr/>
+        </p:nvGrpSpPr>
+        <p:grpSpPr>
+          <a:xfrm>
+            <a:off x="1579910" y="3249698"/>
+            <a:ext cx="2681714" cy="2205386"/>
+            <a:chOff x="2018472" y="3346673"/>
+            <a:chExt cx="2757491" cy="2267704"/>
+          </a:xfrm>
+        </p:grpSpPr>
+        <p:pic>
+          <p:nvPicPr>
+            <p:cNvPr id="9" name="Picture 8">
+              <a:extLst>
+                <a:ext uri="{FF2B5EF4-FFF2-40B4-BE49-F238E27FC236}">
+                  <a16:creationId xmlns:a16="http://schemas.microsoft.com/office/drawing/2014/main" id="{C5A3ABEE-6880-14CC-901B-04473EF02741}"/>
+                </a:ext>
+              </a:extLst>
+            </p:cNvPr>
+            <p:cNvPicPr>
+              <a:picLocks noChangeAspect="1"/>
+            </p:cNvPicPr>
+            <p:nvPr/>
+          </p:nvPicPr>
+          <p:blipFill rotWithShape="1">
+            <a:blip r:embed="rId4"/>
+            <a:srcRect l="1177" t="3042" r="1018" b="1258"/>
+            <a:stretch/>
+          </p:blipFill>
+          <p:spPr>
+            <a:xfrm>
+              <a:off x="2018472" y="3346673"/>
+              <a:ext cx="2757490" cy="2267704"/>
+            </a:xfrm>
+            <a:prstGeom prst="rect">
+              <a:avLst/>
+            </a:prstGeom>
+          </p:spPr>
+        </p:pic>
+        <p:pic>
+          <p:nvPicPr>
+            <p:cNvPr id="11" name="Picture 10">
+              <a:extLst>
+                <a:ext uri="{FF2B5EF4-FFF2-40B4-BE49-F238E27FC236}">
+                  <a16:creationId xmlns:a16="http://schemas.microsoft.com/office/drawing/2014/main" id="{08360969-F317-67CF-7B03-210D0CA5A6AA}"/>
+                </a:ext>
+              </a:extLst>
+            </p:cNvPr>
+            <p:cNvPicPr>
+              <a:picLocks noChangeAspect="1"/>
+            </p:cNvPicPr>
+            <p:nvPr/>
+          </p:nvPicPr>
+          <p:blipFill rotWithShape="1">
+            <a:blip r:embed="rId5">
+              <a:alphaModFix amt="88000"/>
+            </a:blip>
+            <a:srcRect l="51762" t="3814" r="1705" b="486"/>
+            <a:stretch/>
+          </p:blipFill>
+          <p:spPr>
+            <a:xfrm>
+              <a:off x="3449696" y="3346674"/>
+              <a:ext cx="1326267" cy="2267702"/>
+            </a:xfrm>
+            <a:prstGeom prst="rect">
+              <a:avLst/>
+            </a:prstGeom>
+          </p:spPr>
+        </p:pic>
+      </p:grpSp>
+    </p:spTree>
+    <p:extLst>
+      <p:ext uri="{BB962C8B-B14F-4D97-AF65-F5344CB8AC3E}">
+        <p14:creationId xmlns:p14="http://schemas.microsoft.com/office/powerpoint/2010/main" val="349555417"/>
       </p:ext>
     </p:extLst>
   </p:cSld>
@@ -32362,6 +32891,214 @@
 </p:sld>
 </file>
 
+<file path=ppt/slides/slide8.xml><?xml version="1.0" encoding="utf-8"?>
+<p:sld xmlns:a="http://schemas.openxmlformats.org/drawingml/2006/main" xmlns:r="http://schemas.openxmlformats.org/officeDocument/2006/relationships" xmlns:p="http://schemas.openxmlformats.org/presentationml/2006/main">
+  <p:cSld>
+    <p:spTree>
+      <p:nvGrpSpPr>
+        <p:cNvPr id="1" name=""/>
+        <p:cNvGrpSpPr/>
+        <p:nvPr/>
+      </p:nvGrpSpPr>
+      <p:grpSpPr>
+        <a:xfrm>
+          <a:off x="0" y="0"/>
+          <a:ext cx="0" cy="0"/>
+          <a:chOff x="0" y="0"/>
+          <a:chExt cx="0" cy="0"/>
+        </a:xfrm>
+      </p:grpSpPr>
+      <p:pic>
+        <p:nvPicPr>
+          <p:cNvPr id="5" name="Picture 4">
+            <a:extLst>
+              <a:ext uri="{FF2B5EF4-FFF2-40B4-BE49-F238E27FC236}">
+                <a16:creationId xmlns:a16="http://schemas.microsoft.com/office/drawing/2014/main" id="{8AF6B242-38E7-8867-860B-F4F58595CAA5}"/>
+              </a:ext>
+            </a:extLst>
+          </p:cNvPr>
+          <p:cNvPicPr>
+            <a:picLocks noChangeAspect="1"/>
+          </p:cNvPicPr>
+          <p:nvPr/>
+        </p:nvPicPr>
+        <p:blipFill>
+          <a:blip r:embed="rId2"/>
+          <a:stretch>
+            <a:fillRect/>
+          </a:stretch>
+        </p:blipFill>
+        <p:spPr>
+          <a:xfrm>
+            <a:off x="4214761" y="572930"/>
+            <a:ext cx="2440138" cy="1844514"/>
+          </a:xfrm>
+          <a:prstGeom prst="rect">
+            <a:avLst/>
+          </a:prstGeom>
+        </p:spPr>
+      </p:pic>
+      <p:pic>
+        <p:nvPicPr>
+          <p:cNvPr id="11" name="Picture 10">
+            <a:extLst>
+              <a:ext uri="{FF2B5EF4-FFF2-40B4-BE49-F238E27FC236}">
+                <a16:creationId xmlns:a16="http://schemas.microsoft.com/office/drawing/2014/main" id="{CDC11D67-BB87-9FE7-C4C9-3264CD54AA3A}"/>
+              </a:ext>
+            </a:extLst>
+          </p:cNvPr>
+          <p:cNvPicPr>
+            <a:picLocks noChangeAspect="1"/>
+          </p:cNvPicPr>
+          <p:nvPr/>
+        </p:nvPicPr>
+        <p:blipFill rotWithShape="1">
+          <a:blip r:embed="rId3"/>
+          <a:srcRect t="8745"/>
+          <a:stretch/>
+        </p:blipFill>
+        <p:spPr>
+          <a:xfrm>
+            <a:off x="2542653" y="650293"/>
+            <a:ext cx="1702588" cy="1705029"/>
+          </a:xfrm>
+          <a:prstGeom prst="rect">
+            <a:avLst/>
+          </a:prstGeom>
+        </p:spPr>
+      </p:pic>
+      <p:pic>
+        <p:nvPicPr>
+          <p:cNvPr id="9" name="Picture 8">
+            <a:extLst>
+              <a:ext uri="{FF2B5EF4-FFF2-40B4-BE49-F238E27FC236}">
+                <a16:creationId xmlns:a16="http://schemas.microsoft.com/office/drawing/2014/main" id="{A803A158-DC6B-02B6-9A15-83047D4084F6}"/>
+              </a:ext>
+            </a:extLst>
+          </p:cNvPr>
+          <p:cNvPicPr>
+            <a:picLocks noChangeAspect="1"/>
+          </p:cNvPicPr>
+          <p:nvPr/>
+        </p:nvPicPr>
+        <p:blipFill>
+          <a:blip r:embed="rId4"/>
+          <a:stretch>
+            <a:fillRect/>
+          </a:stretch>
+        </p:blipFill>
+        <p:spPr>
+          <a:xfrm>
+            <a:off x="4229535" y="2417444"/>
+            <a:ext cx="2410589" cy="1844514"/>
+          </a:xfrm>
+          <a:prstGeom prst="rect">
+            <a:avLst/>
+          </a:prstGeom>
+        </p:spPr>
+      </p:pic>
+      <p:pic>
+        <p:nvPicPr>
+          <p:cNvPr id="13" name="Picture 12">
+            <a:extLst>
+              <a:ext uri="{FF2B5EF4-FFF2-40B4-BE49-F238E27FC236}">
+                <a16:creationId xmlns:a16="http://schemas.microsoft.com/office/drawing/2014/main" id="{195175E4-E5BF-DC1A-BB44-6AE34C9B24DB}"/>
+              </a:ext>
+            </a:extLst>
+          </p:cNvPr>
+          <p:cNvPicPr>
+            <a:picLocks noChangeAspect="1"/>
+          </p:cNvPicPr>
+          <p:nvPr/>
+        </p:nvPicPr>
+        <p:blipFill rotWithShape="1">
+          <a:blip r:embed="rId5"/>
+          <a:srcRect t="11130"/>
+          <a:stretch/>
+        </p:blipFill>
+        <p:spPr>
+          <a:xfrm>
+            <a:off x="2484120" y="2517667"/>
+            <a:ext cx="1783981" cy="1770240"/>
+          </a:xfrm>
+          <a:prstGeom prst="rect">
+            <a:avLst/>
+          </a:prstGeom>
+        </p:spPr>
+      </p:pic>
+    </p:spTree>
+    <p:extLst>
+      <p:ext uri="{BB962C8B-B14F-4D97-AF65-F5344CB8AC3E}">
+        <p14:creationId xmlns:p14="http://schemas.microsoft.com/office/powerpoint/2010/main" val="156260299"/>
+      </p:ext>
+    </p:extLst>
+  </p:cSld>
+  <p:clrMapOvr>
+    <a:masterClrMapping/>
+  </p:clrMapOvr>
+</p:sld>
+</file>
+
+<file path=ppt/slides/slide9.xml><?xml version="1.0" encoding="utf-8"?>
+<p:sld xmlns:a="http://schemas.openxmlformats.org/drawingml/2006/main" xmlns:r="http://schemas.openxmlformats.org/officeDocument/2006/relationships" xmlns:p="http://schemas.openxmlformats.org/presentationml/2006/main">
+  <p:cSld>
+    <p:spTree>
+      <p:nvGrpSpPr>
+        <p:cNvPr id="1" name=""/>
+        <p:cNvGrpSpPr/>
+        <p:nvPr/>
+      </p:nvGrpSpPr>
+      <p:grpSpPr>
+        <a:xfrm>
+          <a:off x="0" y="0"/>
+          <a:ext cx="0" cy="0"/>
+          <a:chOff x="0" y="0"/>
+          <a:chExt cx="0" cy="0"/>
+        </a:xfrm>
+      </p:grpSpPr>
+      <p:pic>
+        <p:nvPicPr>
+          <p:cNvPr id="3" name="Picture 2">
+            <a:extLst>
+              <a:ext uri="{FF2B5EF4-FFF2-40B4-BE49-F238E27FC236}">
+                <a16:creationId xmlns:a16="http://schemas.microsoft.com/office/drawing/2014/main" id="{73E4B03E-0244-087E-7A25-13BC637BFB01}"/>
+              </a:ext>
+            </a:extLst>
+          </p:cNvPr>
+          <p:cNvPicPr>
+            <a:picLocks noChangeAspect="1"/>
+          </p:cNvPicPr>
+          <p:nvPr/>
+        </p:nvPicPr>
+        <p:blipFill>
+          <a:blip r:embed="rId2"/>
+          <a:stretch>
+            <a:fillRect/>
+          </a:stretch>
+        </p:blipFill>
+        <p:spPr>
+          <a:xfrm>
+            <a:off x="966211" y="1137985"/>
+            <a:ext cx="8259328" cy="3610479"/>
+          </a:xfrm>
+          <a:prstGeom prst="rect">
+            <a:avLst/>
+          </a:prstGeom>
+        </p:spPr>
+      </p:pic>
+    </p:spTree>
+    <p:extLst>
+      <p:ext uri="{BB962C8B-B14F-4D97-AF65-F5344CB8AC3E}">
+        <p14:creationId xmlns:p14="http://schemas.microsoft.com/office/powerpoint/2010/main" val="1114325454"/>
+      </p:ext>
+    </p:extLst>
+  </p:cSld>
+  <p:clrMapOvr>
+    <a:masterClrMapping/>
+  </p:clrMapOvr>
+</p:sld>
+</file>
+
 <file path=ppt/theme/theme1.xml><?xml version="1.0" encoding="utf-8"?>
 <a:theme xmlns:a="http://schemas.openxmlformats.org/drawingml/2006/main" name="Office Theme">
   <a:themeElements>
